--- a/Slides/NarracionHistorias.pptx
+++ b/Slides/NarracionHistorias.pptx
@@ -5,7 +5,7 @@
     <p:sldMasterId id="2147483657" r:id="rId1"/>
   </p:sldMasterIdLst>
   <p:notesMasterIdLst>
-    <p:notesMasterId r:id="rId31"/>
+    <p:notesMasterId r:id="rId32"/>
   </p:notesMasterIdLst>
   <p:sldIdLst>
     <p:sldId id="256" r:id="rId2"/>
@@ -14,53 +14,54 @@
     <p:sldId id="376" r:id="rId5"/>
     <p:sldId id="383" r:id="rId6"/>
     <p:sldId id="384" r:id="rId7"/>
-    <p:sldId id="385" r:id="rId8"/>
-    <p:sldId id="386" r:id="rId9"/>
-    <p:sldId id="377" r:id="rId10"/>
-    <p:sldId id="378" r:id="rId11"/>
-    <p:sldId id="379" r:id="rId12"/>
-    <p:sldId id="380" r:id="rId13"/>
-    <p:sldId id="381" r:id="rId14"/>
-    <p:sldId id="398" r:id="rId15"/>
-    <p:sldId id="399" r:id="rId16"/>
-    <p:sldId id="382" r:id="rId17"/>
-    <p:sldId id="388" r:id="rId18"/>
-    <p:sldId id="389" r:id="rId19"/>
-    <p:sldId id="390" r:id="rId20"/>
-    <p:sldId id="401" r:id="rId21"/>
-    <p:sldId id="402" r:id="rId22"/>
-    <p:sldId id="403" r:id="rId23"/>
-    <p:sldId id="391" r:id="rId24"/>
-    <p:sldId id="392" r:id="rId25"/>
-    <p:sldId id="393" r:id="rId26"/>
-    <p:sldId id="394" r:id="rId27"/>
-    <p:sldId id="395" r:id="rId28"/>
-    <p:sldId id="396" r:id="rId29"/>
-    <p:sldId id="397" r:id="rId30"/>
+    <p:sldId id="404" r:id="rId8"/>
+    <p:sldId id="385" r:id="rId9"/>
+    <p:sldId id="386" r:id="rId10"/>
+    <p:sldId id="377" r:id="rId11"/>
+    <p:sldId id="378" r:id="rId12"/>
+    <p:sldId id="379" r:id="rId13"/>
+    <p:sldId id="380" r:id="rId14"/>
+    <p:sldId id="381" r:id="rId15"/>
+    <p:sldId id="398" r:id="rId16"/>
+    <p:sldId id="399" r:id="rId17"/>
+    <p:sldId id="382" r:id="rId18"/>
+    <p:sldId id="388" r:id="rId19"/>
+    <p:sldId id="389" r:id="rId20"/>
+    <p:sldId id="390" r:id="rId21"/>
+    <p:sldId id="401" r:id="rId22"/>
+    <p:sldId id="402" r:id="rId23"/>
+    <p:sldId id="403" r:id="rId24"/>
+    <p:sldId id="391" r:id="rId25"/>
+    <p:sldId id="392" r:id="rId26"/>
+    <p:sldId id="393" r:id="rId27"/>
+    <p:sldId id="394" r:id="rId28"/>
+    <p:sldId id="395" r:id="rId29"/>
+    <p:sldId id="396" r:id="rId30"/>
+    <p:sldId id="397" r:id="rId31"/>
   </p:sldIdLst>
   <p:sldSz cx="9144000" cy="5143500" type="screen16x9"/>
   <p:notesSz cx="6858000" cy="9144000"/>
   <p:embeddedFontLst>
     <p:embeddedFont>
       <p:font typeface="Arvo" panose="020B0604020202020204" charset="0"/>
-      <p:regular r:id="rId32"/>
-      <p:bold r:id="rId33"/>
-      <p:italic r:id="rId34"/>
-      <p:boldItalic r:id="rId35"/>
+      <p:regular r:id="rId33"/>
+      <p:bold r:id="rId34"/>
+      <p:italic r:id="rId35"/>
+      <p:boldItalic r:id="rId36"/>
     </p:embeddedFont>
     <p:embeddedFont>
       <p:font typeface="Roboto Condensed" panose="02000000000000000000" pitchFamily="2" charset="0"/>
-      <p:regular r:id="rId36"/>
-      <p:bold r:id="rId37"/>
-      <p:italic r:id="rId38"/>
-      <p:boldItalic r:id="rId39"/>
+      <p:regular r:id="rId37"/>
+      <p:bold r:id="rId38"/>
+      <p:italic r:id="rId39"/>
+      <p:boldItalic r:id="rId40"/>
     </p:embeddedFont>
     <p:embeddedFont>
       <p:font typeface="Roboto Condensed Light" panose="02000000000000000000" pitchFamily="2" charset="0"/>
-      <p:regular r:id="rId40"/>
-      <p:bold r:id="rId41"/>
-      <p:italic r:id="rId42"/>
-      <p:boldItalic r:id="rId43"/>
+      <p:regular r:id="rId41"/>
+      <p:bold r:id="rId42"/>
+      <p:italic r:id="rId43"/>
+      <p:boldItalic r:id="rId44"/>
     </p:embeddedFont>
   </p:embeddedFontLst>
   <p:defaultTextStyle>
@@ -5101,6 +5102,141 @@
       </p:grpSpPr>
       <p:sp>
         <p:nvSpPr>
+          <p:cNvPr id="5" name="Título 4"/>
+          <p:cNvSpPr>
+            <a:spLocks noGrp="1"/>
+          </p:cNvSpPr>
+          <p:nvPr>
+            <p:ph type="title"/>
+          </p:nvPr>
+        </p:nvSpPr>
+        <p:spPr/>
+        <p:txBody>
+          <a:bodyPr/>
+          <a:lstStyle/>
+          <a:p>
+            <a:r>
+              <a:rPr lang="es-MX" dirty="0"/>
+              <a:t>Elementos Narrativos</a:t>
+            </a:r>
+          </a:p>
+        </p:txBody>
+      </p:sp>
+      <p:sp>
+        <p:nvSpPr>
+          <p:cNvPr id="6" name="Marcador de texto 5"/>
+          <p:cNvSpPr>
+            <a:spLocks noGrp="1"/>
+          </p:cNvSpPr>
+          <p:nvPr>
+            <p:ph type="body" idx="1"/>
+          </p:nvPr>
+        </p:nvSpPr>
+        <p:spPr/>
+        <p:txBody>
+          <a:bodyPr/>
+          <a:lstStyle/>
+          <a:p>
+            <a:r>
+              <a:rPr lang="es-MX" dirty="0"/>
+              <a:t>Quién es el mejor superhéroe:</a:t>
+            </a:r>
+          </a:p>
+          <a:p>
+            <a:pPr lvl="1"/>
+            <a:r>
+              <a:rPr lang="es-MX" dirty="0"/>
+              <a:t>Batman</a:t>
+            </a:r>
+          </a:p>
+          <a:p>
+            <a:pPr lvl="1"/>
+            <a:r>
+              <a:rPr lang="es-MX" dirty="0"/>
+              <a:t>Capitán América</a:t>
+            </a:r>
+          </a:p>
+          <a:p>
+            <a:pPr lvl="1"/>
+            <a:r>
+              <a:rPr lang="es-MX" dirty="0"/>
+              <a:t>Superman</a:t>
+            </a:r>
+          </a:p>
+          <a:p>
+            <a:pPr lvl="1"/>
+            <a:r>
+              <a:rPr lang="es-MX" dirty="0" err="1"/>
+              <a:t>Aquaman</a:t>
+            </a:r>
+            <a:endParaRPr lang="es-MX" dirty="0"/>
+          </a:p>
+        </p:txBody>
+      </p:sp>
+      <p:sp>
+        <p:nvSpPr>
+          <p:cNvPr id="4" name="Marcador de número de diapositiva 3"/>
+          <p:cNvSpPr>
+            <a:spLocks noGrp="1"/>
+          </p:cNvSpPr>
+          <p:nvPr>
+            <p:ph type="sldNum" idx="12"/>
+          </p:nvPr>
+        </p:nvSpPr>
+        <p:spPr/>
+        <p:txBody>
+          <a:bodyPr/>
+          <a:lstStyle/>
+          <a:p>
+            <a:pPr marL="0" lvl="0" indent="0">
+              <a:spcBef>
+                <a:spcPts val="0"/>
+              </a:spcBef>
+              <a:spcAft>
+                <a:spcPts val="0"/>
+              </a:spcAft>
+              <a:buNone/>
+            </a:pPr>
+            <a:fld id="{00000000-1234-1234-1234-123412341234}" type="slidenum">
+              <a:rPr lang="es-MX" smtClean="0"/>
+              <a:t>10</a:t>
+            </a:fld>
+            <a:endParaRPr lang="es-MX"/>
+          </a:p>
+        </p:txBody>
+      </p:sp>
+    </p:spTree>
+    <p:extLst>
+      <p:ext uri="{BB962C8B-B14F-4D97-AF65-F5344CB8AC3E}">
+        <p14:creationId xmlns:p14="http://schemas.microsoft.com/office/powerpoint/2010/main" val="1852925463"/>
+      </p:ext>
+    </p:extLst>
+  </p:cSld>
+  <p:clrMapOvr>
+    <a:masterClrMapping/>
+  </p:clrMapOvr>
+</p:sld>
+</file>
+
+<file path=ppt/slides/slide11.xml><?xml version="1.0" encoding="utf-8"?>
+<p:sld xmlns:a="http://schemas.openxmlformats.org/drawingml/2006/main" xmlns:r="http://schemas.openxmlformats.org/officeDocument/2006/relationships" xmlns:p="http://schemas.openxmlformats.org/presentationml/2006/main">
+  <p:cSld>
+    <p:spTree>
+      <p:nvGrpSpPr>
+        <p:cNvPr id="1" name=""/>
+        <p:cNvGrpSpPr/>
+        <p:nvPr/>
+      </p:nvGrpSpPr>
+      <p:grpSpPr>
+        <a:xfrm>
+          <a:off x="0" y="0"/>
+          <a:ext cx="0" cy="0"/>
+          <a:chOff x="0" y="0"/>
+          <a:chExt cx="0" cy="0"/>
+        </a:xfrm>
+      </p:grpSpPr>
+      <p:sp>
+        <p:nvSpPr>
           <p:cNvPr id="2" name="Título 1"/>
           <p:cNvSpPr>
             <a:spLocks noGrp="1"/>
@@ -5186,7 +5322,7 @@
             </a:pPr>
             <a:fld id="{00000000-1234-1234-1234-123412341234}" type="slidenum">
               <a:rPr lang="es-MX" smtClean="0"/>
-              <a:t>10</a:t>
+              <a:t>11</a:t>
             </a:fld>
             <a:endParaRPr lang="es-MX"/>
           </a:p>
@@ -5369,109 +5505,6 @@
 </p:sld>
 </file>
 
-<file path=ppt/slides/slide11.xml><?xml version="1.0" encoding="utf-8"?>
-<p:sld xmlns:a="http://schemas.openxmlformats.org/drawingml/2006/main" xmlns:r="http://schemas.openxmlformats.org/officeDocument/2006/relationships" xmlns:p="http://schemas.openxmlformats.org/presentationml/2006/main">
-  <p:cSld>
-    <p:spTree>
-      <p:nvGrpSpPr>
-        <p:cNvPr id="1" name=""/>
-        <p:cNvGrpSpPr/>
-        <p:nvPr/>
-      </p:nvGrpSpPr>
-      <p:grpSpPr>
-        <a:xfrm>
-          <a:off x="0" y="0"/>
-          <a:ext cx="0" cy="0"/>
-          <a:chOff x="0" y="0"/>
-          <a:chExt cx="0" cy="0"/>
-        </a:xfrm>
-      </p:grpSpPr>
-      <p:sp>
-        <p:nvSpPr>
-          <p:cNvPr id="2" name="Título 1"/>
-          <p:cNvSpPr>
-            <a:spLocks noGrp="1"/>
-          </p:cNvSpPr>
-          <p:nvPr>
-            <p:ph type="title"/>
-          </p:nvPr>
-        </p:nvSpPr>
-        <p:spPr/>
-        <p:txBody>
-          <a:bodyPr/>
-          <a:lstStyle/>
-          <a:p>
-            <a:endParaRPr lang="es-MX"/>
-          </a:p>
-        </p:txBody>
-      </p:sp>
-      <p:sp>
-        <p:nvSpPr>
-          <p:cNvPr id="3" name="Marcador de texto 2"/>
-          <p:cNvSpPr>
-            <a:spLocks noGrp="1"/>
-          </p:cNvSpPr>
-          <p:nvPr>
-            <p:ph type="body" idx="1"/>
-          </p:nvPr>
-        </p:nvSpPr>
-        <p:spPr/>
-        <p:txBody>
-          <a:bodyPr/>
-          <a:lstStyle/>
-          <a:p>
-            <a:r>
-              <a:rPr lang="es-MX" dirty="0"/>
-              <a:t>“Al establecer la importancia del problema (villano), se enfatiza la importancia de nuestra solución (héroe)”</a:t>
-            </a:r>
-          </a:p>
-        </p:txBody>
-      </p:sp>
-      <p:sp>
-        <p:nvSpPr>
-          <p:cNvPr id="4" name="Marcador de número de diapositiva 3"/>
-          <p:cNvSpPr>
-            <a:spLocks noGrp="1"/>
-          </p:cNvSpPr>
-          <p:nvPr>
-            <p:ph type="sldNum" idx="12"/>
-          </p:nvPr>
-        </p:nvSpPr>
-        <p:spPr/>
-        <p:txBody>
-          <a:bodyPr/>
-          <a:lstStyle/>
-          <a:p>
-            <a:pPr marL="0" lvl="0" indent="0">
-              <a:spcBef>
-                <a:spcPts val="0"/>
-              </a:spcBef>
-              <a:spcAft>
-                <a:spcPts val="0"/>
-              </a:spcAft>
-              <a:buNone/>
-            </a:pPr>
-            <a:fld id="{00000000-1234-1234-1234-123412341234}" type="slidenum">
-              <a:rPr lang="es-MX" smtClean="0"/>
-              <a:t>11</a:t>
-            </a:fld>
-            <a:endParaRPr lang="es-MX"/>
-          </a:p>
-        </p:txBody>
-      </p:sp>
-    </p:spTree>
-    <p:extLst>
-      <p:ext uri="{BB962C8B-B14F-4D97-AF65-F5344CB8AC3E}">
-        <p14:creationId xmlns:p14="http://schemas.microsoft.com/office/powerpoint/2010/main" val="1400305031"/>
-      </p:ext>
-    </p:extLst>
-  </p:cSld>
-  <p:clrMapOvr>
-    <a:masterClrMapping/>
-  </p:clrMapOvr>
-</p:sld>
-</file>
-
 <file path=ppt/slides/slide12.xml><?xml version="1.0" encoding="utf-8"?>
 <p:sld xmlns:a="http://schemas.openxmlformats.org/drawingml/2006/main" xmlns:r="http://schemas.openxmlformats.org/officeDocument/2006/relationships" xmlns:p="http://schemas.openxmlformats.org/presentationml/2006/main">
   <p:cSld>
@@ -5504,10 +5537,7 @@
           <a:bodyPr/>
           <a:lstStyle/>
           <a:p>
-            <a:r>
-              <a:rPr lang="es-MX" dirty="0"/>
-              <a:t>Ejemplo 1</a:t>
-            </a:r>
+            <a:endParaRPr lang="es-MX"/>
           </a:p>
         </p:txBody>
       </p:sp>
@@ -5527,12 +5557,9 @@
           <a:lstStyle/>
           <a:p>
             <a:r>
-              <a:rPr lang="es-MX" dirty="0">
-                <a:hlinkClick r:id="rId2"/>
-              </a:rPr>
-              <a:t>Cómo revolucionamos el mundo</a:t>
+              <a:rPr lang="es-MX" dirty="0"/>
+              <a:t>“Al establecer la importancia del problema (villano), se enfatiza la importancia de nuestra solución (héroe)”</a:t>
             </a:r>
-            <a:endParaRPr lang="es-MX" dirty="0"/>
           </a:p>
         </p:txBody>
       </p:sp>
@@ -5571,7 +5598,7 @@
     </p:spTree>
     <p:extLst>
       <p:ext uri="{BB962C8B-B14F-4D97-AF65-F5344CB8AC3E}">
-        <p14:creationId xmlns:p14="http://schemas.microsoft.com/office/powerpoint/2010/main" val="3447181094"/>
+        <p14:creationId xmlns:p14="http://schemas.microsoft.com/office/powerpoint/2010/main" val="1400305031"/>
       </p:ext>
     </p:extLst>
   </p:cSld>
@@ -5615,7 +5642,7 @@
           <a:p>
             <a:r>
               <a:rPr lang="es-MX" dirty="0"/>
-              <a:t>Ejemplo 2</a:t>
+              <a:t>Ejemplo 1</a:t>
             </a:r>
           </a:p>
         </p:txBody>
@@ -5639,7 +5666,7 @@
               <a:rPr lang="es-MX" dirty="0">
                 <a:hlinkClick r:id="rId2"/>
               </a:rPr>
-              <a:t>Como hacemos videojuegos</a:t>
+              <a:t>Cómo revolucionamos el mundo</a:t>
             </a:r>
             <a:endParaRPr lang="es-MX" dirty="0"/>
           </a:p>
@@ -5680,7 +5707,7 @@
     </p:spTree>
     <p:extLst>
       <p:ext uri="{BB962C8B-B14F-4D97-AF65-F5344CB8AC3E}">
-        <p14:creationId xmlns:p14="http://schemas.microsoft.com/office/powerpoint/2010/main" val="3097932139"/>
+        <p14:creationId xmlns:p14="http://schemas.microsoft.com/office/powerpoint/2010/main" val="3447181094"/>
       </p:ext>
     </p:extLst>
   </p:cSld>
@@ -5722,7 +5749,10 @@
           <a:bodyPr/>
           <a:lstStyle/>
           <a:p>
-            <a:endParaRPr lang="es-MX"/>
+            <a:r>
+              <a:rPr lang="es-MX" dirty="0"/>
+              <a:t>Ejemplo 2</a:t>
+            </a:r>
           </a:p>
         </p:txBody>
       </p:sp>
@@ -5745,7 +5775,7 @@
               <a:rPr lang="es-MX" dirty="0">
                 <a:hlinkClick r:id="rId2"/>
               </a:rPr>
-              <a:t>Somos diferentes</a:t>
+              <a:t>Como hacemos videojuegos</a:t>
             </a:r>
             <a:endParaRPr lang="es-MX" dirty="0"/>
           </a:p>
@@ -5786,7 +5816,7 @@
     </p:spTree>
     <p:extLst>
       <p:ext uri="{BB962C8B-B14F-4D97-AF65-F5344CB8AC3E}">
-        <p14:creationId xmlns:p14="http://schemas.microsoft.com/office/powerpoint/2010/main" val="697001859"/>
+        <p14:creationId xmlns:p14="http://schemas.microsoft.com/office/powerpoint/2010/main" val="3097932139"/>
       </p:ext>
     </p:extLst>
   </p:cSld>
@@ -5851,19 +5881,7 @@
               <a:rPr lang="es-MX" dirty="0">
                 <a:hlinkClick r:id="rId2"/>
               </a:rPr>
-              <a:t>Somos los “</a:t>
-            </a:r>
-            <a:r>
-              <a:rPr lang="es-MX" dirty="0" err="1">
-                <a:hlinkClick r:id="rId2"/>
-              </a:rPr>
-              <a:t>underdog</a:t>
-            </a:r>
-            <a:r>
-              <a:rPr lang="es-MX" dirty="0">
-                <a:hlinkClick r:id="rId2"/>
-              </a:rPr>
-              <a:t>”</a:t>
+              <a:t>Somos diferentes</a:t>
             </a:r>
             <a:endParaRPr lang="es-MX" dirty="0"/>
           </a:p>
@@ -5904,7 +5922,7 @@
     </p:spTree>
     <p:extLst>
       <p:ext uri="{BB962C8B-B14F-4D97-AF65-F5344CB8AC3E}">
-        <p14:creationId xmlns:p14="http://schemas.microsoft.com/office/powerpoint/2010/main" val="3713423619"/>
+        <p14:creationId xmlns:p14="http://schemas.microsoft.com/office/powerpoint/2010/main" val="697001859"/>
       </p:ext>
     </p:extLst>
   </p:cSld>
@@ -5946,6 +5964,124 @@
           <a:bodyPr/>
           <a:lstStyle/>
           <a:p>
+            <a:endParaRPr lang="es-MX"/>
+          </a:p>
+        </p:txBody>
+      </p:sp>
+      <p:sp>
+        <p:nvSpPr>
+          <p:cNvPr id="3" name="Marcador de texto 2"/>
+          <p:cNvSpPr>
+            <a:spLocks noGrp="1"/>
+          </p:cNvSpPr>
+          <p:nvPr>
+            <p:ph type="body" idx="1"/>
+          </p:nvPr>
+        </p:nvSpPr>
+        <p:spPr/>
+        <p:txBody>
+          <a:bodyPr/>
+          <a:lstStyle/>
+          <a:p>
+            <a:r>
+              <a:rPr lang="es-MX" dirty="0">
+                <a:hlinkClick r:id="rId2"/>
+              </a:rPr>
+              <a:t>Somos los “</a:t>
+            </a:r>
+            <a:r>
+              <a:rPr lang="es-MX" dirty="0" err="1">
+                <a:hlinkClick r:id="rId2"/>
+              </a:rPr>
+              <a:t>underdog</a:t>
+            </a:r>
+            <a:r>
+              <a:rPr lang="es-MX" dirty="0">
+                <a:hlinkClick r:id="rId2"/>
+              </a:rPr>
+              <a:t>”</a:t>
+            </a:r>
+            <a:endParaRPr lang="es-MX" dirty="0"/>
+          </a:p>
+        </p:txBody>
+      </p:sp>
+      <p:sp>
+        <p:nvSpPr>
+          <p:cNvPr id="4" name="Marcador de número de diapositiva 3"/>
+          <p:cNvSpPr>
+            <a:spLocks noGrp="1"/>
+          </p:cNvSpPr>
+          <p:nvPr>
+            <p:ph type="sldNum" idx="12"/>
+          </p:nvPr>
+        </p:nvSpPr>
+        <p:spPr/>
+        <p:txBody>
+          <a:bodyPr/>
+          <a:lstStyle/>
+          <a:p>
+            <a:pPr marL="0" lvl="0" indent="0">
+              <a:spcBef>
+                <a:spcPts val="0"/>
+              </a:spcBef>
+              <a:spcAft>
+                <a:spcPts val="0"/>
+              </a:spcAft>
+              <a:buNone/>
+            </a:pPr>
+            <a:fld id="{00000000-1234-1234-1234-123412341234}" type="slidenum">
+              <a:rPr lang="es-MX" smtClean="0"/>
+              <a:t>16</a:t>
+            </a:fld>
+            <a:endParaRPr lang="es-MX"/>
+          </a:p>
+        </p:txBody>
+      </p:sp>
+    </p:spTree>
+    <p:extLst>
+      <p:ext uri="{BB962C8B-B14F-4D97-AF65-F5344CB8AC3E}">
+        <p14:creationId xmlns:p14="http://schemas.microsoft.com/office/powerpoint/2010/main" val="3713423619"/>
+      </p:ext>
+    </p:extLst>
+  </p:cSld>
+  <p:clrMapOvr>
+    <a:masterClrMapping/>
+  </p:clrMapOvr>
+</p:sld>
+</file>
+
+<file path=ppt/slides/slide17.xml><?xml version="1.0" encoding="utf-8"?>
+<p:sld xmlns:a="http://schemas.openxmlformats.org/drawingml/2006/main" xmlns:r="http://schemas.openxmlformats.org/officeDocument/2006/relationships" xmlns:p="http://schemas.openxmlformats.org/presentationml/2006/main">
+  <p:cSld>
+    <p:spTree>
+      <p:nvGrpSpPr>
+        <p:cNvPr id="1" name=""/>
+        <p:cNvGrpSpPr/>
+        <p:nvPr/>
+      </p:nvGrpSpPr>
+      <p:grpSpPr>
+        <a:xfrm>
+          <a:off x="0" y="0"/>
+          <a:ext cx="0" cy="0"/>
+          <a:chOff x="0" y="0"/>
+          <a:chExt cx="0" cy="0"/>
+        </a:xfrm>
+      </p:grpSpPr>
+      <p:sp>
+        <p:nvSpPr>
+          <p:cNvPr id="2" name="Título 1"/>
+          <p:cNvSpPr>
+            <a:spLocks noGrp="1"/>
+          </p:cNvSpPr>
+          <p:nvPr>
+            <p:ph type="title"/>
+          </p:nvPr>
+        </p:nvSpPr>
+        <p:spPr/>
+        <p:txBody>
+          <a:bodyPr/>
+          <a:lstStyle/>
+          <a:p>
             <a:r>
               <a:rPr lang="es-MX" dirty="0"/>
               <a:t>Ejemplo 3</a:t>
@@ -5979,7 +6115,7 @@
             </a:pPr>
             <a:fld id="{00000000-1234-1234-1234-123412341234}" type="slidenum">
               <a:rPr lang="es-MX" smtClean="0"/>
-              <a:t>16</a:t>
+              <a:t>17</a:t>
             </a:fld>
             <a:endParaRPr lang="es-MX"/>
           </a:p>
@@ -6039,7 +6175,7 @@
 </p:sld>
 </file>
 
-<file path=ppt/slides/slide17.xml><?xml version="1.0" encoding="utf-8"?>
+<file path=ppt/slides/slide18.xml><?xml version="1.0" encoding="utf-8"?>
 <p:sld xmlns:a="http://schemas.openxmlformats.org/drawingml/2006/main" xmlns:r="http://schemas.openxmlformats.org/officeDocument/2006/relationships" xmlns:p="http://schemas.openxmlformats.org/presentationml/2006/main">
   <p:cSld>
     <p:spTree>
@@ -6171,7 +6307,7 @@
             </a:pPr>
             <a:fld id="{00000000-1234-1234-1234-123412341234}" type="slidenum">
               <a:rPr lang="en"/>
-              <a:t>17</a:t>
+              <a:t>18</a:t>
             </a:fld>
             <a:endParaRPr/>
           </a:p>
@@ -6248,7 +6384,7 @@
 </p:sld>
 </file>
 
-<file path=ppt/slides/slide18.xml><?xml version="1.0" encoding="utf-8"?>
+<file path=ppt/slides/slide19.xml><?xml version="1.0" encoding="utf-8"?>
 <p:sld xmlns:a="http://schemas.openxmlformats.org/drawingml/2006/main" xmlns:r="http://schemas.openxmlformats.org/officeDocument/2006/relationships" xmlns:p="http://schemas.openxmlformats.org/presentationml/2006/main">
   <p:cSld>
     <p:spTree>
@@ -6313,7 +6449,7 @@
             </a:pPr>
             <a:fld id="{00000000-1234-1234-1234-123412341234}" type="slidenum">
               <a:rPr lang="es-MX" smtClean="0"/>
-              <a:t>18</a:t>
+              <a:t>19</a:t>
             </a:fld>
             <a:endParaRPr lang="es-MX"/>
           </a:p>
@@ -6373,7 +6509,214 @@
 </p:sld>
 </file>
 
-<file path=ppt/slides/slide19.xml><?xml version="1.0" encoding="utf-8"?>
+<file path=ppt/slides/slide2.xml><?xml version="1.0" encoding="utf-8"?>
+<p:sld xmlns:a="http://schemas.openxmlformats.org/drawingml/2006/main" xmlns:r="http://schemas.openxmlformats.org/officeDocument/2006/relationships" xmlns:p="http://schemas.openxmlformats.org/presentationml/2006/main">
+  <p:cSld>
+    <p:spTree>
+      <p:nvGrpSpPr>
+        <p:cNvPr id="1" name="Shape 220"/>
+        <p:cNvGrpSpPr/>
+        <p:nvPr/>
+      </p:nvGrpSpPr>
+      <p:grpSpPr>
+        <a:xfrm>
+          <a:off x="0" y="0"/>
+          <a:ext cx="0" cy="0"/>
+          <a:chOff x="0" y="0"/>
+          <a:chExt cx="0" cy="0"/>
+        </a:xfrm>
+      </p:grpSpPr>
+      <p:sp>
+        <p:nvSpPr>
+          <p:cNvPr id="221" name="Google Shape;221;p14"/>
+          <p:cNvSpPr txBox="1">
+            <a:spLocks noGrp="1"/>
+          </p:cNvSpPr>
+          <p:nvPr>
+            <p:ph type="ctrTitle"/>
+          </p:nvPr>
+        </p:nvSpPr>
+        <p:spPr>
+          <a:xfrm>
+            <a:off x="463525" y="2871148"/>
+            <a:ext cx="4094400" cy="1159800"/>
+          </a:xfrm>
+          <a:prstGeom prst="rect">
+            <a:avLst/>
+          </a:prstGeom>
+        </p:spPr>
+        <p:txBody>
+          <a:bodyPr spcFirstLastPara="1" wrap="square" lIns="91425" tIns="91425" rIns="91425" bIns="91425" anchor="b" anchorCtr="0">
+            <a:noAutofit/>
+          </a:bodyPr>
+          <a:lstStyle/>
+          <a:p>
+            <a:pPr marL="0" lvl="0" indent="0" rtl="0">
+              <a:spcBef>
+                <a:spcPts val="0"/>
+              </a:spcBef>
+              <a:spcAft>
+                <a:spcPts val="0"/>
+              </a:spcAft>
+              <a:buNone/>
+            </a:pPr>
+            <a:r>
+              <a:rPr lang="es-MX" dirty="0"/>
+              <a:t>Anuncios parroquiales</a:t>
+            </a:r>
+          </a:p>
+        </p:txBody>
+      </p:sp>
+      <p:sp>
+        <p:nvSpPr>
+          <p:cNvPr id="222" name="Google Shape;222;p14"/>
+          <p:cNvSpPr txBox="1">
+            <a:spLocks noGrp="1"/>
+          </p:cNvSpPr>
+          <p:nvPr>
+            <p:ph type="subTitle" idx="1"/>
+          </p:nvPr>
+        </p:nvSpPr>
+        <p:spPr>
+          <a:xfrm>
+            <a:off x="463525" y="3975449"/>
+            <a:ext cx="4094400" cy="784800"/>
+          </a:xfrm>
+          <a:prstGeom prst="rect">
+            <a:avLst/>
+          </a:prstGeom>
+        </p:spPr>
+        <p:txBody>
+          <a:bodyPr spcFirstLastPara="1" wrap="square" lIns="91425" tIns="91425" rIns="91425" bIns="91425" anchor="t" anchorCtr="0">
+            <a:noAutofit/>
+          </a:bodyPr>
+          <a:lstStyle/>
+          <a:p>
+            <a:pPr marL="0" lvl="0" indent="0" rtl="0">
+              <a:spcBef>
+                <a:spcPts val="0"/>
+              </a:spcBef>
+              <a:spcAft>
+                <a:spcPts val="1000"/>
+              </a:spcAft>
+              <a:buNone/>
+            </a:pPr>
+            <a:r>
+              <a:rPr lang="es-MX" dirty="0"/>
+              <a:t>Tareas</a:t>
+            </a:r>
+          </a:p>
+        </p:txBody>
+      </p:sp>
+      <p:sp>
+        <p:nvSpPr>
+          <p:cNvPr id="223" name="Google Shape;223;p14"/>
+          <p:cNvSpPr txBox="1">
+            <a:spLocks noGrp="1"/>
+          </p:cNvSpPr>
+          <p:nvPr>
+            <p:ph type="sldNum" idx="12"/>
+          </p:nvPr>
+        </p:nvSpPr>
+        <p:spPr>
+          <a:xfrm>
+            <a:off x="7618000" y="4636500"/>
+            <a:ext cx="1487400" cy="315600"/>
+          </a:xfrm>
+          <a:prstGeom prst="rect">
+            <a:avLst/>
+          </a:prstGeom>
+        </p:spPr>
+        <p:txBody>
+          <a:bodyPr spcFirstLastPara="1" wrap="square" lIns="91425" tIns="91425" rIns="91425" bIns="91425" anchor="ctr" anchorCtr="0">
+            <a:noAutofit/>
+          </a:bodyPr>
+          <a:lstStyle/>
+          <a:p>
+            <a:pPr marL="0" lvl="0" indent="0">
+              <a:spcBef>
+                <a:spcPts val="0"/>
+              </a:spcBef>
+              <a:spcAft>
+                <a:spcPts val="0"/>
+              </a:spcAft>
+              <a:buNone/>
+            </a:pPr>
+            <a:fld id="{00000000-1234-1234-1234-123412341234}" type="slidenum">
+              <a:rPr lang="en"/>
+              <a:t>2</a:t>
+            </a:fld>
+            <a:endParaRPr/>
+          </a:p>
+        </p:txBody>
+      </p:sp>
+      <p:sp>
+        <p:nvSpPr>
+          <p:cNvPr id="224" name="Google Shape;224;p14"/>
+          <p:cNvSpPr txBox="1"/>
+          <p:nvPr/>
+        </p:nvSpPr>
+        <p:spPr>
+          <a:xfrm>
+            <a:off x="463525" y="0"/>
+            <a:ext cx="2181600" cy="3136200"/>
+          </a:xfrm>
+          <a:prstGeom prst="rect">
+            <a:avLst/>
+          </a:prstGeom>
+          <a:noFill/>
+          <a:ln>
+            <a:noFill/>
+          </a:ln>
+        </p:spPr>
+        <p:txBody>
+          <a:bodyPr spcFirstLastPara="1" wrap="square" lIns="91425" tIns="91425" rIns="91425" bIns="91425" anchor="b" anchorCtr="0">
+            <a:noAutofit/>
+          </a:bodyPr>
+          <a:lstStyle/>
+          <a:p>
+            <a:pPr marL="0" lvl="0" indent="0">
+              <a:spcBef>
+                <a:spcPts val="0"/>
+              </a:spcBef>
+              <a:spcAft>
+                <a:spcPts val="0"/>
+              </a:spcAft>
+              <a:buNone/>
+            </a:pPr>
+            <a:r>
+              <a:rPr lang="en" sz="12000" b="1" dirty="0">
+                <a:solidFill>
+                  <a:srgbClr val="3F5378"/>
+                </a:solidFill>
+                <a:latin typeface="Roboto Condensed"/>
+                <a:ea typeface="Roboto Condensed"/>
+                <a:cs typeface="Roboto Condensed"/>
+                <a:sym typeface="Roboto Condensed"/>
+              </a:rPr>
+              <a:t>1</a:t>
+            </a:r>
+            <a:endParaRPr sz="3000" b="1" dirty="0">
+              <a:solidFill>
+                <a:srgbClr val="3F5378"/>
+              </a:solidFill>
+              <a:latin typeface="Roboto Condensed"/>
+              <a:ea typeface="Roboto Condensed"/>
+              <a:cs typeface="Roboto Condensed"/>
+              <a:sym typeface="Roboto Condensed"/>
+            </a:endParaRPr>
+          </a:p>
+        </p:txBody>
+      </p:sp>
+    </p:spTree>
+  </p:cSld>
+  <p:clrMapOvr>
+    <a:masterClrMapping/>
+  </p:clrMapOvr>
+</p:sld>
+</file>
+
+<file path=ppt/slides/slide20.xml><?xml version="1.0" encoding="utf-8"?>
 <p:sld xmlns:a="http://schemas.openxmlformats.org/drawingml/2006/main" xmlns:r="http://schemas.openxmlformats.org/officeDocument/2006/relationships" xmlns:p="http://schemas.openxmlformats.org/presentationml/2006/main">
   <p:cSld>
     <p:spTree>
@@ -6438,7 +6781,7 @@
             </a:pPr>
             <a:fld id="{00000000-1234-1234-1234-123412341234}" type="slidenum">
               <a:rPr lang="es-MX" smtClean="0"/>
-              <a:t>19</a:t>
+              <a:t>20</a:t>
             </a:fld>
             <a:endParaRPr lang="es-MX"/>
           </a:p>
@@ -6498,214 +6841,7 @@
 </p:sld>
 </file>
 
-<file path=ppt/slides/slide2.xml><?xml version="1.0" encoding="utf-8"?>
-<p:sld xmlns:a="http://schemas.openxmlformats.org/drawingml/2006/main" xmlns:r="http://schemas.openxmlformats.org/officeDocument/2006/relationships" xmlns:p="http://schemas.openxmlformats.org/presentationml/2006/main">
-  <p:cSld>
-    <p:spTree>
-      <p:nvGrpSpPr>
-        <p:cNvPr id="1" name="Shape 220"/>
-        <p:cNvGrpSpPr/>
-        <p:nvPr/>
-      </p:nvGrpSpPr>
-      <p:grpSpPr>
-        <a:xfrm>
-          <a:off x="0" y="0"/>
-          <a:ext cx="0" cy="0"/>
-          <a:chOff x="0" y="0"/>
-          <a:chExt cx="0" cy="0"/>
-        </a:xfrm>
-      </p:grpSpPr>
-      <p:sp>
-        <p:nvSpPr>
-          <p:cNvPr id="221" name="Google Shape;221;p14"/>
-          <p:cNvSpPr txBox="1">
-            <a:spLocks noGrp="1"/>
-          </p:cNvSpPr>
-          <p:nvPr>
-            <p:ph type="ctrTitle"/>
-          </p:nvPr>
-        </p:nvSpPr>
-        <p:spPr>
-          <a:xfrm>
-            <a:off x="463525" y="2871148"/>
-            <a:ext cx="4094400" cy="1159800"/>
-          </a:xfrm>
-          <a:prstGeom prst="rect">
-            <a:avLst/>
-          </a:prstGeom>
-        </p:spPr>
-        <p:txBody>
-          <a:bodyPr spcFirstLastPara="1" wrap="square" lIns="91425" tIns="91425" rIns="91425" bIns="91425" anchor="b" anchorCtr="0">
-            <a:noAutofit/>
-          </a:bodyPr>
-          <a:lstStyle/>
-          <a:p>
-            <a:pPr marL="0" lvl="0" indent="0" rtl="0">
-              <a:spcBef>
-                <a:spcPts val="0"/>
-              </a:spcBef>
-              <a:spcAft>
-                <a:spcPts val="0"/>
-              </a:spcAft>
-              <a:buNone/>
-            </a:pPr>
-            <a:r>
-              <a:rPr lang="es-MX" dirty="0"/>
-              <a:t>Anuncios parroquiales</a:t>
-            </a:r>
-          </a:p>
-        </p:txBody>
-      </p:sp>
-      <p:sp>
-        <p:nvSpPr>
-          <p:cNvPr id="222" name="Google Shape;222;p14"/>
-          <p:cNvSpPr txBox="1">
-            <a:spLocks noGrp="1"/>
-          </p:cNvSpPr>
-          <p:nvPr>
-            <p:ph type="subTitle" idx="1"/>
-          </p:nvPr>
-        </p:nvSpPr>
-        <p:spPr>
-          <a:xfrm>
-            <a:off x="463525" y="3975449"/>
-            <a:ext cx="4094400" cy="784800"/>
-          </a:xfrm>
-          <a:prstGeom prst="rect">
-            <a:avLst/>
-          </a:prstGeom>
-        </p:spPr>
-        <p:txBody>
-          <a:bodyPr spcFirstLastPara="1" wrap="square" lIns="91425" tIns="91425" rIns="91425" bIns="91425" anchor="t" anchorCtr="0">
-            <a:noAutofit/>
-          </a:bodyPr>
-          <a:lstStyle/>
-          <a:p>
-            <a:pPr marL="0" lvl="0" indent="0" rtl="0">
-              <a:spcBef>
-                <a:spcPts val="0"/>
-              </a:spcBef>
-              <a:spcAft>
-                <a:spcPts val="1000"/>
-              </a:spcAft>
-              <a:buNone/>
-            </a:pPr>
-            <a:r>
-              <a:rPr lang="es-MX" dirty="0"/>
-              <a:t>Tareas</a:t>
-            </a:r>
-          </a:p>
-        </p:txBody>
-      </p:sp>
-      <p:sp>
-        <p:nvSpPr>
-          <p:cNvPr id="223" name="Google Shape;223;p14"/>
-          <p:cNvSpPr txBox="1">
-            <a:spLocks noGrp="1"/>
-          </p:cNvSpPr>
-          <p:nvPr>
-            <p:ph type="sldNum" idx="12"/>
-          </p:nvPr>
-        </p:nvSpPr>
-        <p:spPr>
-          <a:xfrm>
-            <a:off x="7618000" y="4636500"/>
-            <a:ext cx="1487400" cy="315600"/>
-          </a:xfrm>
-          <a:prstGeom prst="rect">
-            <a:avLst/>
-          </a:prstGeom>
-        </p:spPr>
-        <p:txBody>
-          <a:bodyPr spcFirstLastPara="1" wrap="square" lIns="91425" tIns="91425" rIns="91425" bIns="91425" anchor="ctr" anchorCtr="0">
-            <a:noAutofit/>
-          </a:bodyPr>
-          <a:lstStyle/>
-          <a:p>
-            <a:pPr marL="0" lvl="0" indent="0">
-              <a:spcBef>
-                <a:spcPts val="0"/>
-              </a:spcBef>
-              <a:spcAft>
-                <a:spcPts val="0"/>
-              </a:spcAft>
-              <a:buNone/>
-            </a:pPr>
-            <a:fld id="{00000000-1234-1234-1234-123412341234}" type="slidenum">
-              <a:rPr lang="en"/>
-              <a:t>2</a:t>
-            </a:fld>
-            <a:endParaRPr/>
-          </a:p>
-        </p:txBody>
-      </p:sp>
-      <p:sp>
-        <p:nvSpPr>
-          <p:cNvPr id="224" name="Google Shape;224;p14"/>
-          <p:cNvSpPr txBox="1"/>
-          <p:nvPr/>
-        </p:nvSpPr>
-        <p:spPr>
-          <a:xfrm>
-            <a:off x="463525" y="0"/>
-            <a:ext cx="2181600" cy="3136200"/>
-          </a:xfrm>
-          <a:prstGeom prst="rect">
-            <a:avLst/>
-          </a:prstGeom>
-          <a:noFill/>
-          <a:ln>
-            <a:noFill/>
-          </a:ln>
-        </p:spPr>
-        <p:txBody>
-          <a:bodyPr spcFirstLastPara="1" wrap="square" lIns="91425" tIns="91425" rIns="91425" bIns="91425" anchor="b" anchorCtr="0">
-            <a:noAutofit/>
-          </a:bodyPr>
-          <a:lstStyle/>
-          <a:p>
-            <a:pPr marL="0" lvl="0" indent="0">
-              <a:spcBef>
-                <a:spcPts val="0"/>
-              </a:spcBef>
-              <a:spcAft>
-                <a:spcPts val="0"/>
-              </a:spcAft>
-              <a:buNone/>
-            </a:pPr>
-            <a:r>
-              <a:rPr lang="en" sz="12000" b="1" dirty="0">
-                <a:solidFill>
-                  <a:srgbClr val="3F5378"/>
-                </a:solidFill>
-                <a:latin typeface="Roboto Condensed"/>
-                <a:ea typeface="Roboto Condensed"/>
-                <a:cs typeface="Roboto Condensed"/>
-                <a:sym typeface="Roboto Condensed"/>
-              </a:rPr>
-              <a:t>1</a:t>
-            </a:r>
-            <a:endParaRPr sz="3000" b="1" dirty="0">
-              <a:solidFill>
-                <a:srgbClr val="3F5378"/>
-              </a:solidFill>
-              <a:latin typeface="Roboto Condensed"/>
-              <a:ea typeface="Roboto Condensed"/>
-              <a:cs typeface="Roboto Condensed"/>
-              <a:sym typeface="Roboto Condensed"/>
-            </a:endParaRPr>
-          </a:p>
-        </p:txBody>
-      </p:sp>
-    </p:spTree>
-  </p:cSld>
-  <p:clrMapOvr>
-    <a:masterClrMapping/>
-  </p:clrMapOvr>
-</p:sld>
-</file>
-
-<file path=ppt/slides/slide20.xml><?xml version="1.0" encoding="utf-8"?>
+<file path=ppt/slides/slide21.xml><?xml version="1.0" encoding="utf-8"?>
 <p:sld xmlns:a="http://schemas.openxmlformats.org/drawingml/2006/main" xmlns:r="http://schemas.openxmlformats.org/officeDocument/2006/relationships" xmlns:p="http://schemas.openxmlformats.org/presentationml/2006/main">
   <p:cSld>
     <p:spTree>
@@ -6770,7 +6906,7 @@
             </a:pPr>
             <a:fld id="{00000000-1234-1234-1234-123412341234}" type="slidenum">
               <a:rPr lang="es-MX" smtClean="0"/>
-              <a:t>20</a:t>
+              <a:t>21</a:t>
             </a:fld>
             <a:endParaRPr lang="es-MX"/>
           </a:p>
@@ -6825,7 +6961,7 @@
 </p:sld>
 </file>
 
-<file path=ppt/slides/slide21.xml><?xml version="1.0" encoding="utf-8"?>
+<file path=ppt/slides/slide22.xml><?xml version="1.0" encoding="utf-8"?>
 <p:sld xmlns:a="http://schemas.openxmlformats.org/drawingml/2006/main" xmlns:r="http://schemas.openxmlformats.org/officeDocument/2006/relationships" xmlns:p="http://schemas.openxmlformats.org/presentationml/2006/main">
   <p:cSld>
     <p:spTree>
@@ -6899,7 +7035,7 @@
             </a:pPr>
             <a:fld id="{00000000-1234-1234-1234-123412341234}" type="slidenum">
               <a:rPr lang="en" smtClean="0"/>
-              <a:t>21</a:t>
+              <a:t>22</a:t>
             </a:fld>
             <a:endParaRPr lang="en"/>
           </a:p>
@@ -6954,124 +7090,6 @@
 </p:sld>
 </file>
 
-<file path=ppt/slides/slide22.xml><?xml version="1.0" encoding="utf-8"?>
-<p:sld xmlns:a="http://schemas.openxmlformats.org/drawingml/2006/main" xmlns:r="http://schemas.openxmlformats.org/officeDocument/2006/relationships" xmlns:p="http://schemas.openxmlformats.org/presentationml/2006/main">
-  <p:cSld>
-    <p:spTree>
-      <p:nvGrpSpPr>
-        <p:cNvPr id="1" name=""/>
-        <p:cNvGrpSpPr/>
-        <p:nvPr/>
-      </p:nvGrpSpPr>
-      <p:grpSpPr>
-        <a:xfrm>
-          <a:off x="0" y="0"/>
-          <a:ext cx="0" cy="0"/>
-          <a:chOff x="0" y="0"/>
-          <a:chExt cx="0" cy="0"/>
-        </a:xfrm>
-      </p:grpSpPr>
-      <p:sp>
-        <p:nvSpPr>
-          <p:cNvPr id="2" name="Title 1">
-            <a:extLst>
-              <a:ext uri="{FF2B5EF4-FFF2-40B4-BE49-F238E27FC236}">
-                <a16:creationId xmlns:a16="http://schemas.microsoft.com/office/drawing/2014/main" id="{7C33CB3D-E1AC-4F3B-9605-DE227EB630D1}"/>
-              </a:ext>
-            </a:extLst>
-          </p:cNvPr>
-          <p:cNvSpPr>
-            <a:spLocks noGrp="1"/>
-          </p:cNvSpPr>
-          <p:nvPr>
-            <p:ph type="title"/>
-          </p:nvPr>
-        </p:nvSpPr>
-        <p:spPr/>
-        <p:txBody>
-          <a:bodyPr/>
-          <a:lstStyle/>
-          <a:p>
-            <a:endParaRPr lang="en-US"/>
-          </a:p>
-        </p:txBody>
-      </p:sp>
-      <p:sp>
-        <p:nvSpPr>
-          <p:cNvPr id="3" name="Text Placeholder 2">
-            <a:extLst>
-              <a:ext uri="{FF2B5EF4-FFF2-40B4-BE49-F238E27FC236}">
-                <a16:creationId xmlns:a16="http://schemas.microsoft.com/office/drawing/2014/main" id="{D3BFE6F8-C7C7-47D0-A60F-A606A5F6379B}"/>
-              </a:ext>
-            </a:extLst>
-          </p:cNvPr>
-          <p:cNvSpPr>
-            <a:spLocks noGrp="1"/>
-          </p:cNvSpPr>
-          <p:nvPr>
-            <p:ph type="body" idx="1"/>
-          </p:nvPr>
-        </p:nvSpPr>
-        <p:spPr/>
-        <p:txBody>
-          <a:bodyPr/>
-          <a:lstStyle/>
-          <a:p>
-            <a:endParaRPr lang="en-US"/>
-          </a:p>
-        </p:txBody>
-      </p:sp>
-      <p:sp>
-        <p:nvSpPr>
-          <p:cNvPr id="4" name="Slide Number Placeholder 3">
-            <a:extLst>
-              <a:ext uri="{FF2B5EF4-FFF2-40B4-BE49-F238E27FC236}">
-                <a16:creationId xmlns:a16="http://schemas.microsoft.com/office/drawing/2014/main" id="{F306B446-F432-4DD6-82DD-66520E7727F8}"/>
-              </a:ext>
-            </a:extLst>
-          </p:cNvPr>
-          <p:cNvSpPr>
-            <a:spLocks noGrp="1"/>
-          </p:cNvSpPr>
-          <p:nvPr>
-            <p:ph type="sldNum" idx="12"/>
-          </p:nvPr>
-        </p:nvSpPr>
-        <p:spPr/>
-        <p:txBody>
-          <a:bodyPr/>
-          <a:lstStyle/>
-          <a:p>
-            <a:pPr marL="0" lvl="0" indent="0">
-              <a:spcBef>
-                <a:spcPts val="0"/>
-              </a:spcBef>
-              <a:spcAft>
-                <a:spcPts val="0"/>
-              </a:spcAft>
-              <a:buNone/>
-            </a:pPr>
-            <a:fld id="{00000000-1234-1234-1234-123412341234}" type="slidenum">
-              <a:rPr lang="en" smtClean="0"/>
-              <a:t>22</a:t>
-            </a:fld>
-            <a:endParaRPr lang="en"/>
-          </a:p>
-        </p:txBody>
-      </p:sp>
-    </p:spTree>
-    <p:extLst>
-      <p:ext uri="{BB962C8B-B14F-4D97-AF65-F5344CB8AC3E}">
-        <p14:creationId xmlns:p14="http://schemas.microsoft.com/office/powerpoint/2010/main" val="700301577"/>
-      </p:ext>
-    </p:extLst>
-  </p:cSld>
-  <p:clrMapOvr>
-    <a:masterClrMapping/>
-  </p:clrMapOvr>
-</p:sld>
-</file>
-
 <file path=ppt/slides/slide23.xml><?xml version="1.0" encoding="utf-8"?>
 <p:sld xmlns:a="http://schemas.openxmlformats.org/drawingml/2006/main" xmlns:r="http://schemas.openxmlformats.org/officeDocument/2006/relationships" xmlns:p="http://schemas.openxmlformats.org/presentationml/2006/main">
   <p:cSld>
@@ -7091,12 +7109,18 @@
       </p:grpSpPr>
       <p:sp>
         <p:nvSpPr>
-          <p:cNvPr id="5" name="Título 4"/>
+          <p:cNvPr id="2" name="Title 1">
+            <a:extLst>
+              <a:ext uri="{FF2B5EF4-FFF2-40B4-BE49-F238E27FC236}">
+                <a16:creationId xmlns:a16="http://schemas.microsoft.com/office/drawing/2014/main" id="{7C33CB3D-E1AC-4F3B-9605-DE227EB630D1}"/>
+              </a:ext>
+            </a:extLst>
+          </p:cNvPr>
           <p:cNvSpPr>
             <a:spLocks noGrp="1"/>
           </p:cNvSpPr>
           <p:nvPr>
-            <p:ph type="ctrTitle"/>
+            <p:ph type="title"/>
           </p:nvPr>
         </p:nvSpPr>
         <p:spPr/>
@@ -7104,21 +7128,24 @@
           <a:bodyPr/>
           <a:lstStyle/>
           <a:p>
-            <a:r>
-              <a:rPr lang="es-MX" dirty="0"/>
-              <a:t>Presentación de 3 minutos</a:t>
-            </a:r>
-          </a:p>
-        </p:txBody>
-      </p:sp>
-      <p:sp>
-        <p:nvSpPr>
-          <p:cNvPr id="6" name="Subtítulo 5"/>
+            <a:endParaRPr lang="en-US"/>
+          </a:p>
+        </p:txBody>
+      </p:sp>
+      <p:sp>
+        <p:nvSpPr>
+          <p:cNvPr id="3" name="Text Placeholder 2">
+            <a:extLst>
+              <a:ext uri="{FF2B5EF4-FFF2-40B4-BE49-F238E27FC236}">
+                <a16:creationId xmlns:a16="http://schemas.microsoft.com/office/drawing/2014/main" id="{D3BFE6F8-C7C7-47D0-A60F-A606A5F6379B}"/>
+              </a:ext>
+            </a:extLst>
+          </p:cNvPr>
           <p:cNvSpPr>
             <a:spLocks noGrp="1"/>
           </p:cNvSpPr>
           <p:nvPr>
-            <p:ph type="subTitle" idx="1"/>
+            <p:ph type="body" idx="1"/>
           </p:nvPr>
         </p:nvSpPr>
         <p:spPr/>
@@ -7126,13 +7153,19 @@
           <a:bodyPr/>
           <a:lstStyle/>
           <a:p>
-            <a:endParaRPr lang="es-MX"/>
-          </a:p>
-        </p:txBody>
-      </p:sp>
-      <p:sp>
-        <p:nvSpPr>
-          <p:cNvPr id="4" name="Marcador de número de diapositiva 3"/>
+            <a:endParaRPr lang="en-US"/>
+          </a:p>
+        </p:txBody>
+      </p:sp>
+      <p:sp>
+        <p:nvSpPr>
+          <p:cNvPr id="4" name="Slide Number Placeholder 3">
+            <a:extLst>
+              <a:ext uri="{FF2B5EF4-FFF2-40B4-BE49-F238E27FC236}">
+                <a16:creationId xmlns:a16="http://schemas.microsoft.com/office/drawing/2014/main" id="{F306B446-F432-4DD6-82DD-66520E7727F8}"/>
+              </a:ext>
+            </a:extLst>
+          </p:cNvPr>
           <p:cNvSpPr>
             <a:spLocks noGrp="1"/>
           </p:cNvSpPr>
@@ -7155,17 +7188,17 @@
               <a:buNone/>
             </a:pPr>
             <a:fld id="{00000000-1234-1234-1234-123412341234}" type="slidenum">
-              <a:rPr lang="es-MX" smtClean="0"/>
+              <a:rPr lang="en" smtClean="0"/>
               <a:t>23</a:t>
             </a:fld>
-            <a:endParaRPr lang="es-MX"/>
+            <a:endParaRPr lang="en"/>
           </a:p>
         </p:txBody>
       </p:sp>
     </p:spTree>
     <p:extLst>
       <p:ext uri="{BB962C8B-B14F-4D97-AF65-F5344CB8AC3E}">
-        <p14:creationId xmlns:p14="http://schemas.microsoft.com/office/powerpoint/2010/main" val="860576099"/>
+        <p14:creationId xmlns:p14="http://schemas.microsoft.com/office/powerpoint/2010/main" val="700301577"/>
       </p:ext>
     </p:extLst>
   </p:cSld>
@@ -7194,12 +7227,12 @@
       </p:grpSpPr>
       <p:sp>
         <p:nvSpPr>
-          <p:cNvPr id="2" name="Título 1"/>
+          <p:cNvPr id="5" name="Título 4"/>
           <p:cNvSpPr>
             <a:spLocks noGrp="1"/>
           </p:cNvSpPr>
           <p:nvPr>
-            <p:ph type="title"/>
+            <p:ph type="ctrTitle"/>
           </p:nvPr>
         </p:nvSpPr>
         <p:spPr/>
@@ -7209,19 +7242,19 @@
           <a:p>
             <a:r>
               <a:rPr lang="es-MX" dirty="0"/>
-              <a:t>3 Grandes Elementos</a:t>
+              <a:t>Presentación de 3 minutos</a:t>
             </a:r>
           </a:p>
         </p:txBody>
       </p:sp>
       <p:sp>
         <p:nvSpPr>
-          <p:cNvPr id="3" name="Marcador de texto 2"/>
+          <p:cNvPr id="6" name="Subtítulo 5"/>
           <p:cNvSpPr>
             <a:spLocks noGrp="1"/>
           </p:cNvSpPr>
           <p:nvPr>
-            <p:ph type="body" idx="1"/>
+            <p:ph type="subTitle" idx="1"/>
           </p:nvPr>
         </p:nvSpPr>
         <p:spPr/>
@@ -7229,23 +7262,7 @@
           <a:bodyPr/>
           <a:lstStyle/>
           <a:p>
-            <a:r>
-              <a:rPr lang="es-MX" dirty="0"/>
-              <a:t>Villano (Problema)</a:t>
-            </a:r>
-          </a:p>
-          <a:p>
-            <a:r>
-              <a:rPr lang="es-MX" dirty="0"/>
-              <a:t>El Contraste, y como la solución arregla todo</a:t>
-            </a:r>
-          </a:p>
-          <a:p>
-            <a:r>
-              <a:rPr lang="es-MX" sz="3200" b="1" dirty="0"/>
-              <a:t>Tiempo</a:t>
-            </a:r>
-            <a:endParaRPr lang="es-MX" b="1" dirty="0"/>
+            <a:endParaRPr lang="es-MX"/>
           </a:p>
         </p:txBody>
       </p:sp>
@@ -7284,7 +7301,7 @@
     </p:spTree>
     <p:extLst>
       <p:ext uri="{BB962C8B-B14F-4D97-AF65-F5344CB8AC3E}">
-        <p14:creationId xmlns:p14="http://schemas.microsoft.com/office/powerpoint/2010/main" val="2158058104"/>
+        <p14:creationId xmlns:p14="http://schemas.microsoft.com/office/powerpoint/2010/main" val="860576099"/>
       </p:ext>
     </p:extLst>
   </p:cSld>
@@ -7328,7 +7345,7 @@
           <a:p>
             <a:r>
               <a:rPr lang="es-MX" dirty="0"/>
-              <a:t>Pregunta esenciales</a:t>
+              <a:t>3 Grandes Elementos</a:t>
             </a:r>
           </a:p>
         </p:txBody>
@@ -7349,34 +7366,22 @@
           <a:lstStyle/>
           <a:p>
             <a:r>
-              <a:rPr lang="es-MX" sz="2000" dirty="0"/>
-              <a:t>Quién es la audiencia?</a:t>
+              <a:rPr lang="es-MX" dirty="0"/>
+              <a:t>Villano (Problema)</a:t>
             </a:r>
           </a:p>
           <a:p>
-            <a:pPr lvl="1"/>
             <a:r>
-              <a:rPr lang="es-MX" sz="2000" dirty="0"/>
-              <a:t>Contexto</a:t>
+              <a:rPr lang="es-MX" dirty="0"/>
+              <a:t>El Contraste, y como la solución arregla todo</a:t>
             </a:r>
           </a:p>
           <a:p>
             <a:r>
-              <a:rPr lang="es-MX" sz="2000" dirty="0"/>
-              <a:t>La audiencia esta familiarizada con los datos?</a:t>
+              <a:rPr lang="es-MX" sz="3200" b="1" dirty="0"/>
+              <a:t>Tiempo</a:t>
             </a:r>
-          </a:p>
-          <a:p>
-            <a:r>
-              <a:rPr lang="es-MX" sz="2000" b="1" dirty="0"/>
-              <a:t>Cual sería un escenario exitoso de la presentación?</a:t>
-            </a:r>
-          </a:p>
-          <a:p>
-            <a:r>
-              <a:rPr lang="es-MX" sz="2000" b="1" dirty="0"/>
-              <a:t>Si tuvieras que reducir la presentación a una oración….cual sería?</a:t>
-            </a:r>
+            <a:endParaRPr lang="es-MX" b="1" dirty="0"/>
           </a:p>
         </p:txBody>
       </p:sp>
@@ -7415,7 +7420,7 @@
     </p:spTree>
     <p:extLst>
       <p:ext uri="{BB962C8B-B14F-4D97-AF65-F5344CB8AC3E}">
-        <p14:creationId xmlns:p14="http://schemas.microsoft.com/office/powerpoint/2010/main" val="3515260083"/>
+        <p14:creationId xmlns:p14="http://schemas.microsoft.com/office/powerpoint/2010/main" val="2158058104"/>
       </p:ext>
     </p:extLst>
   </p:cSld>
@@ -7459,7 +7464,7 @@
           <a:p>
             <a:r>
               <a:rPr lang="es-MX" dirty="0"/>
-              <a:t>La historia de 3 minutos</a:t>
+              <a:t>Pregunta esenciales</a:t>
             </a:r>
           </a:p>
         </p:txBody>
@@ -7480,28 +7485,33 @@
           <a:lstStyle/>
           <a:p>
             <a:r>
-              <a:rPr lang="es-MX" dirty="0"/>
-              <a:t>Tienen que ser capaces de quitar información innecesaria, y llevar el “y entonces….” (so-</a:t>
+              <a:rPr lang="es-MX" sz="2000" dirty="0"/>
+              <a:t>Quién es la audiencia?</a:t>
             </a:r>
+          </a:p>
+          <a:p>
+            <a:pPr lvl="1"/>
             <a:r>
-              <a:rPr lang="es-MX" dirty="0" err="1"/>
-              <a:t>what</a:t>
+              <a:rPr lang="es-MX" sz="2000" dirty="0"/>
+              <a:t>Contexto</a:t>
             </a:r>
+          </a:p>
+          <a:p>
             <a:r>
-              <a:rPr lang="es-MX" dirty="0"/>
-              <a:t>) a una sola oración.</a:t>
+              <a:rPr lang="es-MX" sz="2000" dirty="0"/>
+              <a:t>La audiencia esta familiarizada con los datos?</a:t>
             </a:r>
           </a:p>
           <a:p>
             <a:r>
-              <a:rPr lang="es-MX" dirty="0"/>
-              <a:t>“Hubiera escrito una carta más corta pero no me dio tiempo”</a:t>
+              <a:rPr lang="es-MX" sz="2000" b="1" dirty="0"/>
+              <a:t>Cual sería un escenario exitoso de la presentación?</a:t>
             </a:r>
           </a:p>
           <a:p>
             <a:r>
-              <a:rPr lang="es-MX" dirty="0"/>
-              <a:t>Blaise Pascal</a:t>
+              <a:rPr lang="es-MX" sz="2000" b="1" dirty="0"/>
+              <a:t>Si tuvieras que reducir la presentación a una oración….cual sería?</a:t>
             </a:r>
           </a:p>
         </p:txBody>
@@ -7541,7 +7551,7 @@
     </p:spTree>
     <p:extLst>
       <p:ext uri="{BB962C8B-B14F-4D97-AF65-F5344CB8AC3E}">
-        <p14:creationId xmlns:p14="http://schemas.microsoft.com/office/powerpoint/2010/main" val="1309766088"/>
+        <p14:creationId xmlns:p14="http://schemas.microsoft.com/office/powerpoint/2010/main" val="3515260083"/>
       </p:ext>
     </p:extLst>
   </p:cSld>
@@ -7585,7 +7595,7 @@
           <a:p>
             <a:r>
               <a:rPr lang="es-MX" dirty="0"/>
-              <a:t>3 componentes en 3 minutos</a:t>
+              <a:t>La historia de 3 minutos</a:t>
             </a:r>
           </a:p>
         </p:txBody>
@@ -7607,19 +7617,27 @@
           <a:p>
             <a:r>
               <a:rPr lang="es-MX" dirty="0"/>
-              <a:t>Debe articular tu punto de vista</a:t>
+              <a:t>Tienen que ser capaces de quitar información innecesaria, y llevar el “y entonces….” (so-</a:t>
             </a:r>
-          </a:p>
-          <a:p>
+            <a:r>
+              <a:rPr lang="es-MX" dirty="0" err="1"/>
+              <a:t>what</a:t>
+            </a:r>
             <a:r>
               <a:rPr lang="es-MX" dirty="0"/>
-              <a:t>Debe comunicar lo que esta en juego</a:t>
+              <a:t>) a una sola oración.</a:t>
             </a:r>
           </a:p>
           <a:p>
             <a:r>
               <a:rPr lang="es-MX" dirty="0"/>
-              <a:t>Debe ser una oración completa.</a:t>
+              <a:t>“Hubiera escrito una carta más corta pero no me dio tiempo”</a:t>
+            </a:r>
+          </a:p>
+          <a:p>
+            <a:r>
+              <a:rPr lang="es-MX" dirty="0"/>
+              <a:t>Blaise Pascal</a:t>
             </a:r>
           </a:p>
         </p:txBody>
@@ -7659,7 +7677,7 @@
     </p:spTree>
     <p:extLst>
       <p:ext uri="{BB962C8B-B14F-4D97-AF65-F5344CB8AC3E}">
-        <p14:creationId xmlns:p14="http://schemas.microsoft.com/office/powerpoint/2010/main" val="3620416528"/>
+        <p14:creationId xmlns:p14="http://schemas.microsoft.com/office/powerpoint/2010/main" val="1309766088"/>
       </p:ext>
     </p:extLst>
   </p:cSld>
@@ -7688,12 +7706,12 @@
       </p:grpSpPr>
       <p:sp>
         <p:nvSpPr>
-          <p:cNvPr id="5" name="Título 4"/>
+          <p:cNvPr id="2" name="Título 1"/>
           <p:cNvSpPr>
             <a:spLocks noGrp="1"/>
           </p:cNvSpPr>
           <p:nvPr>
-            <p:ph type="ctrTitle"/>
+            <p:ph type="title"/>
           </p:nvPr>
         </p:nvSpPr>
         <p:spPr/>
@@ -7703,19 +7721,19 @@
           <a:p>
             <a:r>
               <a:rPr lang="es-MX" dirty="0"/>
-              <a:t>Como hacerlo en Python</a:t>
+              <a:t>3 componentes en 3 minutos</a:t>
             </a:r>
           </a:p>
         </p:txBody>
       </p:sp>
       <p:sp>
         <p:nvSpPr>
-          <p:cNvPr id="6" name="Subtítulo 5"/>
+          <p:cNvPr id="3" name="Marcador de texto 2"/>
           <p:cNvSpPr>
             <a:spLocks noGrp="1"/>
           </p:cNvSpPr>
           <p:nvPr>
-            <p:ph type="subTitle" idx="1"/>
+            <p:ph type="body" idx="1"/>
           </p:nvPr>
         </p:nvSpPr>
         <p:spPr/>
@@ -7723,7 +7741,22 @@
           <a:bodyPr/>
           <a:lstStyle/>
           <a:p>
-            <a:endParaRPr lang="es-MX"/>
+            <a:r>
+              <a:rPr lang="es-MX" dirty="0"/>
+              <a:t>Debe articular tu punto de vista</a:t>
+            </a:r>
+          </a:p>
+          <a:p>
+            <a:r>
+              <a:rPr lang="es-MX" dirty="0"/>
+              <a:t>Debe comunicar lo que esta en juego</a:t>
+            </a:r>
+          </a:p>
+          <a:p>
+            <a:r>
+              <a:rPr lang="es-MX" dirty="0"/>
+              <a:t>Debe ser una oración completa.</a:t>
+            </a:r>
           </a:p>
         </p:txBody>
       </p:sp>
@@ -7762,7 +7795,7 @@
     </p:spTree>
     <p:extLst>
       <p:ext uri="{BB962C8B-B14F-4D97-AF65-F5344CB8AC3E}">
-        <p14:creationId xmlns:p14="http://schemas.microsoft.com/office/powerpoint/2010/main" val="3755034915"/>
+        <p14:creationId xmlns:p14="http://schemas.microsoft.com/office/powerpoint/2010/main" val="3620416528"/>
       </p:ext>
     </p:extLst>
   </p:cSld>
@@ -7796,7 +7829,7 @@
             <a:spLocks noGrp="1"/>
           </p:cNvSpPr>
           <p:nvPr>
-            <p:ph type="title"/>
+            <p:ph type="ctrTitle"/>
           </p:nvPr>
         </p:nvSpPr>
         <p:spPr/>
@@ -7804,18 +7837,21 @@
           <a:bodyPr/>
           <a:lstStyle/>
           <a:p>
-            <a:endParaRPr lang="es-MX"/>
-          </a:p>
-        </p:txBody>
-      </p:sp>
-      <p:sp>
-        <p:nvSpPr>
-          <p:cNvPr id="6" name="Marcador de texto 5"/>
+            <a:r>
+              <a:rPr lang="es-MX" dirty="0"/>
+              <a:t>Como hacerlo en Python</a:t>
+            </a:r>
+          </a:p>
+        </p:txBody>
+      </p:sp>
+      <p:sp>
+        <p:nvSpPr>
+          <p:cNvPr id="6" name="Subtítulo 5"/>
           <p:cNvSpPr>
             <a:spLocks noGrp="1"/>
           </p:cNvSpPr>
           <p:nvPr>
-            <p:ph type="body" idx="1"/>
+            <p:ph type="subTitle" idx="1"/>
           </p:nvPr>
         </p:nvSpPr>
         <p:spPr/>
@@ -7823,13 +7859,7 @@
           <a:bodyPr/>
           <a:lstStyle/>
           <a:p>
-            <a:r>
-              <a:rPr lang="es-MX" dirty="0">
-                <a:hlinkClick r:id="rId2"/>
-              </a:rPr>
-              <a:t>Cuadernos de Python</a:t>
-            </a:r>
-            <a:endParaRPr lang="es-MX" dirty="0"/>
+            <a:endParaRPr lang="es-MX"/>
           </a:p>
         </p:txBody>
       </p:sp>
@@ -7868,7 +7898,7 @@
     </p:spTree>
     <p:extLst>
       <p:ext uri="{BB962C8B-B14F-4D97-AF65-F5344CB8AC3E}">
-        <p14:creationId xmlns:p14="http://schemas.microsoft.com/office/powerpoint/2010/main" val="3235211150"/>
+        <p14:creationId xmlns:p14="http://schemas.microsoft.com/office/powerpoint/2010/main" val="3755034915"/>
       </p:ext>
     </p:extLst>
   </p:cSld>
@@ -8046,6 +8076,112 @@
 </p:sld>
 </file>
 
+<file path=ppt/slides/slide30.xml><?xml version="1.0" encoding="utf-8"?>
+<p:sld xmlns:a="http://schemas.openxmlformats.org/drawingml/2006/main" xmlns:r="http://schemas.openxmlformats.org/officeDocument/2006/relationships" xmlns:p="http://schemas.openxmlformats.org/presentationml/2006/main">
+  <p:cSld>
+    <p:spTree>
+      <p:nvGrpSpPr>
+        <p:cNvPr id="1" name=""/>
+        <p:cNvGrpSpPr/>
+        <p:nvPr/>
+      </p:nvGrpSpPr>
+      <p:grpSpPr>
+        <a:xfrm>
+          <a:off x="0" y="0"/>
+          <a:ext cx="0" cy="0"/>
+          <a:chOff x="0" y="0"/>
+          <a:chExt cx="0" cy="0"/>
+        </a:xfrm>
+      </p:grpSpPr>
+      <p:sp>
+        <p:nvSpPr>
+          <p:cNvPr id="5" name="Título 4"/>
+          <p:cNvSpPr>
+            <a:spLocks noGrp="1"/>
+          </p:cNvSpPr>
+          <p:nvPr>
+            <p:ph type="title"/>
+          </p:nvPr>
+        </p:nvSpPr>
+        <p:spPr/>
+        <p:txBody>
+          <a:bodyPr/>
+          <a:lstStyle/>
+          <a:p>
+            <a:endParaRPr lang="es-MX"/>
+          </a:p>
+        </p:txBody>
+      </p:sp>
+      <p:sp>
+        <p:nvSpPr>
+          <p:cNvPr id="6" name="Marcador de texto 5"/>
+          <p:cNvSpPr>
+            <a:spLocks noGrp="1"/>
+          </p:cNvSpPr>
+          <p:nvPr>
+            <p:ph type="body" idx="1"/>
+          </p:nvPr>
+        </p:nvSpPr>
+        <p:spPr/>
+        <p:txBody>
+          <a:bodyPr/>
+          <a:lstStyle/>
+          <a:p>
+            <a:r>
+              <a:rPr lang="es-MX" dirty="0">
+                <a:hlinkClick r:id="rId2"/>
+              </a:rPr>
+              <a:t>Cuadernos de Python</a:t>
+            </a:r>
+            <a:endParaRPr lang="es-MX" dirty="0"/>
+          </a:p>
+        </p:txBody>
+      </p:sp>
+      <p:sp>
+        <p:nvSpPr>
+          <p:cNvPr id="4" name="Marcador de número de diapositiva 3"/>
+          <p:cNvSpPr>
+            <a:spLocks noGrp="1"/>
+          </p:cNvSpPr>
+          <p:nvPr>
+            <p:ph type="sldNum" idx="12"/>
+          </p:nvPr>
+        </p:nvSpPr>
+        <p:spPr/>
+        <p:txBody>
+          <a:bodyPr/>
+          <a:lstStyle/>
+          <a:p>
+            <a:pPr marL="0" lvl="0" indent="0">
+              <a:spcBef>
+                <a:spcPts val="0"/>
+              </a:spcBef>
+              <a:spcAft>
+                <a:spcPts val="0"/>
+              </a:spcAft>
+              <a:buNone/>
+            </a:pPr>
+            <a:fld id="{00000000-1234-1234-1234-123412341234}" type="slidenum">
+              <a:rPr lang="es-MX" smtClean="0"/>
+              <a:t>30</a:t>
+            </a:fld>
+            <a:endParaRPr lang="es-MX"/>
+          </a:p>
+        </p:txBody>
+      </p:sp>
+    </p:spTree>
+    <p:extLst>
+      <p:ext uri="{BB962C8B-B14F-4D97-AF65-F5344CB8AC3E}">
+        <p14:creationId xmlns:p14="http://schemas.microsoft.com/office/powerpoint/2010/main" val="3235211150"/>
+      </p:ext>
+    </p:extLst>
+  </p:cSld>
+  <p:clrMapOvr>
+    <a:masterClrMapping/>
+  </p:clrMapOvr>
+</p:sld>
+</file>
+
 <file path=ppt/slides/slide4.xml><?xml version="1.0" encoding="utf-8"?>
 <p:sld xmlns:a="http://schemas.openxmlformats.org/drawingml/2006/main" xmlns:r="http://schemas.openxmlformats.org/officeDocument/2006/relationships" xmlns:p="http://schemas.openxmlformats.org/presentationml/2006/main">
   <p:cSld>
@@ -8514,7 +8650,13 @@
       </p:grpSpPr>
       <p:sp>
         <p:nvSpPr>
-          <p:cNvPr id="2" name="Título 1"/>
+          <p:cNvPr id="2" name="Title 1">
+            <a:extLst>
+              <a:ext uri="{FF2B5EF4-FFF2-40B4-BE49-F238E27FC236}">
+                <a16:creationId xmlns:a16="http://schemas.microsoft.com/office/drawing/2014/main" id="{18006000-4EED-4E47-ACEC-65148A32B333}"/>
+              </a:ext>
+            </a:extLst>
+          </p:cNvPr>
           <p:cNvSpPr>
             <a:spLocks noGrp="1"/>
           </p:cNvSpPr>
@@ -8528,15 +8670,34 @@
           <a:lstStyle/>
           <a:p>
             <a:r>
-              <a:rPr lang="es-MX" dirty="0"/>
-              <a:t>Elementos de una historia</a:t>
+              <a:rPr lang="en-US" dirty="0"/>
+              <a:t>Como </a:t>
             </a:r>
-          </a:p>
-        </p:txBody>
-      </p:sp>
-      <p:sp>
-        <p:nvSpPr>
-          <p:cNvPr id="3" name="Marcador de texto 2"/>
+            <a:r>
+              <a:rPr lang="en-US" dirty="0" err="1"/>
+              <a:t>abstraer</a:t>
+            </a:r>
+            <a:r>
+              <a:rPr lang="en-US" dirty="0"/>
+              <a:t> </a:t>
+            </a:r>
+            <a:r>
+              <a:rPr lang="en-US" dirty="0" err="1"/>
+              <a:t>historias</a:t>
+            </a:r>
+            <a:endParaRPr lang="en-US" dirty="0"/>
+          </a:p>
+        </p:txBody>
+      </p:sp>
+      <p:sp>
+        <p:nvSpPr>
+          <p:cNvPr id="3" name="Text Placeholder 2">
+            <a:extLst>
+              <a:ext uri="{FF2B5EF4-FFF2-40B4-BE49-F238E27FC236}">
+                <a16:creationId xmlns:a16="http://schemas.microsoft.com/office/drawing/2014/main" id="{25C43777-24B1-44E1-894F-DBCD131F725A}"/>
+              </a:ext>
+            </a:extLst>
+          </p:cNvPr>
           <p:cNvSpPr>
             <a:spLocks noGrp="1"/>
           </p:cNvSpPr>
@@ -8550,54 +8711,62 @@
           <a:lstStyle/>
           <a:p>
             <a:r>
-              <a:rPr lang="es-MX" sz="1600" dirty="0"/>
-              <a:t>Locación (Donde)</a:t>
+              <a:rPr lang="en-US" dirty="0"/>
+              <a:t>Uno de los </a:t>
             </a:r>
-          </a:p>
-          <a:p>
-            <a:endParaRPr lang="es-MX" sz="1600" dirty="0"/>
-          </a:p>
-          <a:p>
             <a:r>
-              <a:rPr lang="es-MX" sz="1600" dirty="0"/>
-              <a:t>Héroe (Quién)</a:t>
+              <a:rPr lang="en-US" dirty="0" err="1"/>
+              <a:t>mayores</a:t>
             </a:r>
-          </a:p>
-          <a:p>
-            <a:endParaRPr lang="es-MX" sz="1600" dirty="0"/>
-          </a:p>
-          <a:p>
             <a:r>
-              <a:rPr lang="es-MX" sz="1600" dirty="0"/>
-              <a:t>Contexto Histórico (Cuando)</a:t>
+              <a:rPr lang="en-US" dirty="0"/>
+              <a:t> </a:t>
             </a:r>
-          </a:p>
-          <a:p>
-            <a:endParaRPr lang="es-MX" sz="1600" dirty="0"/>
-          </a:p>
-          <a:p>
             <a:r>
-              <a:rPr lang="es-MX" sz="1600" dirty="0"/>
-              <a:t>Historia (Como)</a:t>
+              <a:rPr lang="en-US" dirty="0" err="1"/>
+              <a:t>retos</a:t>
             </a:r>
-          </a:p>
-          <a:p>
-            <a:endParaRPr lang="es-MX" sz="1600" dirty="0"/>
-          </a:p>
-          <a:p>
             <a:r>
-              <a:rPr lang="es-MX" sz="1600" dirty="0"/>
-              <a:t>Villano (Porque)</a:t>
+              <a:rPr lang="en-US" dirty="0"/>
+              <a:t> es </a:t>
             </a:r>
-          </a:p>
-          <a:p>
-            <a:endParaRPr lang="es-MX" sz="1600" dirty="0"/>
-          </a:p>
-        </p:txBody>
-      </p:sp>
-      <p:sp>
-        <p:nvSpPr>
-          <p:cNvPr id="4" name="Marcador de número de diapositiva 3"/>
+            <a:r>
+              <a:rPr lang="en-US" dirty="0" err="1"/>
+              <a:t>explicar</a:t>
+            </a:r>
+            <a:r>
+              <a:rPr lang="en-US" dirty="0"/>
+              <a:t> </a:t>
+            </a:r>
+            <a:r>
+              <a:rPr lang="en-US" dirty="0" err="1"/>
+              <a:t>temas</a:t>
+            </a:r>
+            <a:r>
+              <a:rPr lang="en-US" dirty="0"/>
+              <a:t> t</a:t>
+            </a:r>
+            <a:r>
+              <a:rPr lang="es-MX" dirty="0" err="1"/>
+              <a:t>écnicos</a:t>
+            </a:r>
+            <a:r>
+              <a:rPr lang="es-MX" dirty="0"/>
+              <a:t> a personas que no son técnicos.</a:t>
+            </a:r>
+            <a:endParaRPr lang="en-US" dirty="0"/>
+          </a:p>
+        </p:txBody>
+      </p:sp>
+      <p:sp>
+        <p:nvSpPr>
+          <p:cNvPr id="4" name="Slide Number Placeholder 3">
+            <a:extLst>
+              <a:ext uri="{FF2B5EF4-FFF2-40B4-BE49-F238E27FC236}">
+                <a16:creationId xmlns:a16="http://schemas.microsoft.com/office/drawing/2014/main" id="{0D2F850F-178F-4211-8AAF-7D2A7C9C6174}"/>
+              </a:ext>
+            </a:extLst>
+          </p:cNvPr>
           <p:cNvSpPr>
             <a:spLocks noGrp="1"/>
           </p:cNvSpPr>
@@ -8620,17 +8789,17 @@
               <a:buNone/>
             </a:pPr>
             <a:fld id="{00000000-1234-1234-1234-123412341234}" type="slidenum">
-              <a:rPr lang="es-MX" smtClean="0"/>
+              <a:rPr lang="en" smtClean="0"/>
               <a:t>7</a:t>
             </a:fld>
-            <a:endParaRPr lang="es-MX"/>
+            <a:endParaRPr lang="en"/>
           </a:p>
         </p:txBody>
       </p:sp>
     </p:spTree>
     <p:extLst>
       <p:ext uri="{BB962C8B-B14F-4D97-AF65-F5344CB8AC3E}">
-        <p14:creationId xmlns:p14="http://schemas.microsoft.com/office/powerpoint/2010/main" val="1013840106"/>
+        <p14:creationId xmlns:p14="http://schemas.microsoft.com/office/powerpoint/2010/main" val="1097597053"/>
       </p:ext>
     </p:extLst>
   </p:cSld>
@@ -8674,8 +8843,69 @@
           <a:p>
             <a:r>
               <a:rPr lang="es-MX" dirty="0"/>
-              <a:t>Películas</a:t>
+              <a:t>Elementos de una historia</a:t>
             </a:r>
+          </a:p>
+        </p:txBody>
+      </p:sp>
+      <p:sp>
+        <p:nvSpPr>
+          <p:cNvPr id="3" name="Marcador de texto 2"/>
+          <p:cNvSpPr>
+            <a:spLocks noGrp="1"/>
+          </p:cNvSpPr>
+          <p:nvPr>
+            <p:ph type="body" idx="1"/>
+          </p:nvPr>
+        </p:nvSpPr>
+        <p:spPr/>
+        <p:txBody>
+          <a:bodyPr/>
+          <a:lstStyle/>
+          <a:p>
+            <a:r>
+              <a:rPr lang="es-MX" sz="1600" dirty="0"/>
+              <a:t>Locación (Donde)</a:t>
+            </a:r>
+          </a:p>
+          <a:p>
+            <a:endParaRPr lang="es-MX" sz="1600" dirty="0"/>
+          </a:p>
+          <a:p>
+            <a:r>
+              <a:rPr lang="es-MX" sz="1600" dirty="0"/>
+              <a:t>Héroe (Quién)</a:t>
+            </a:r>
+          </a:p>
+          <a:p>
+            <a:endParaRPr lang="es-MX" sz="1600" dirty="0"/>
+          </a:p>
+          <a:p>
+            <a:r>
+              <a:rPr lang="es-MX" sz="1600" dirty="0"/>
+              <a:t>Contexto Histórico (Cuando)</a:t>
+            </a:r>
+          </a:p>
+          <a:p>
+            <a:endParaRPr lang="es-MX" sz="1600" dirty="0"/>
+          </a:p>
+          <a:p>
+            <a:r>
+              <a:rPr lang="es-MX" sz="1600" dirty="0"/>
+              <a:t>Historia (Como)</a:t>
+            </a:r>
+          </a:p>
+          <a:p>
+            <a:endParaRPr lang="es-MX" sz="1600" dirty="0"/>
+          </a:p>
+          <a:p>
+            <a:r>
+              <a:rPr lang="es-MX" sz="1600" dirty="0"/>
+              <a:t>Villano (Porque)</a:t>
+            </a:r>
+          </a:p>
+          <a:p>
+            <a:endParaRPr lang="es-MX" sz="1600" dirty="0"/>
           </a:p>
         </p:txBody>
       </p:sp>
@@ -8706,6 +8936,90 @@
             <a:fld id="{00000000-1234-1234-1234-123412341234}" type="slidenum">
               <a:rPr lang="es-MX" smtClean="0"/>
               <a:t>8</a:t>
+            </a:fld>
+            <a:endParaRPr lang="es-MX"/>
+          </a:p>
+        </p:txBody>
+      </p:sp>
+    </p:spTree>
+    <p:extLst>
+      <p:ext uri="{BB962C8B-B14F-4D97-AF65-F5344CB8AC3E}">
+        <p14:creationId xmlns:p14="http://schemas.microsoft.com/office/powerpoint/2010/main" val="1013840106"/>
+      </p:ext>
+    </p:extLst>
+  </p:cSld>
+  <p:clrMapOvr>
+    <a:masterClrMapping/>
+  </p:clrMapOvr>
+</p:sld>
+</file>
+
+<file path=ppt/slides/slide9.xml><?xml version="1.0" encoding="utf-8"?>
+<p:sld xmlns:a="http://schemas.openxmlformats.org/drawingml/2006/main" xmlns:r="http://schemas.openxmlformats.org/officeDocument/2006/relationships" xmlns:p="http://schemas.openxmlformats.org/presentationml/2006/main">
+  <p:cSld>
+    <p:spTree>
+      <p:nvGrpSpPr>
+        <p:cNvPr id="1" name=""/>
+        <p:cNvGrpSpPr/>
+        <p:nvPr/>
+      </p:nvGrpSpPr>
+      <p:grpSpPr>
+        <a:xfrm>
+          <a:off x="0" y="0"/>
+          <a:ext cx="0" cy="0"/>
+          <a:chOff x="0" y="0"/>
+          <a:chExt cx="0" cy="0"/>
+        </a:xfrm>
+      </p:grpSpPr>
+      <p:sp>
+        <p:nvSpPr>
+          <p:cNvPr id="2" name="Título 1"/>
+          <p:cNvSpPr>
+            <a:spLocks noGrp="1"/>
+          </p:cNvSpPr>
+          <p:nvPr>
+            <p:ph type="title"/>
+          </p:nvPr>
+        </p:nvSpPr>
+        <p:spPr/>
+        <p:txBody>
+          <a:bodyPr/>
+          <a:lstStyle/>
+          <a:p>
+            <a:r>
+              <a:rPr lang="es-MX" dirty="0"/>
+              <a:t>Películas</a:t>
+            </a:r>
+          </a:p>
+        </p:txBody>
+      </p:sp>
+      <p:sp>
+        <p:nvSpPr>
+          <p:cNvPr id="4" name="Marcador de número de diapositiva 3"/>
+          <p:cNvSpPr>
+            <a:spLocks noGrp="1"/>
+          </p:cNvSpPr>
+          <p:nvPr>
+            <p:ph type="sldNum" idx="12"/>
+          </p:nvPr>
+        </p:nvSpPr>
+        <p:spPr/>
+        <p:txBody>
+          <a:bodyPr/>
+          <a:lstStyle/>
+          <a:p>
+            <a:pPr marL="0" lvl="0" indent="0">
+              <a:spcBef>
+                <a:spcPts val="0"/>
+              </a:spcBef>
+              <a:spcAft>
+                <a:spcPts val="0"/>
+              </a:spcAft>
+              <a:buNone/>
+            </a:pPr>
+            <a:fld id="{00000000-1234-1234-1234-123412341234}" type="slidenum">
+              <a:rPr lang="es-MX" smtClean="0"/>
+              <a:t>9</a:t>
             </a:fld>
             <a:endParaRPr lang="es-MX"/>
           </a:p>
@@ -8797,141 +9111,6 @@
     <p:extLst>
       <p:ext uri="{BB962C8B-B14F-4D97-AF65-F5344CB8AC3E}">
         <p14:creationId xmlns:p14="http://schemas.microsoft.com/office/powerpoint/2010/main" val="2540935474"/>
-      </p:ext>
-    </p:extLst>
-  </p:cSld>
-  <p:clrMapOvr>
-    <a:masterClrMapping/>
-  </p:clrMapOvr>
-</p:sld>
-</file>
-
-<file path=ppt/slides/slide9.xml><?xml version="1.0" encoding="utf-8"?>
-<p:sld xmlns:a="http://schemas.openxmlformats.org/drawingml/2006/main" xmlns:r="http://schemas.openxmlformats.org/officeDocument/2006/relationships" xmlns:p="http://schemas.openxmlformats.org/presentationml/2006/main">
-  <p:cSld>
-    <p:spTree>
-      <p:nvGrpSpPr>
-        <p:cNvPr id="1" name=""/>
-        <p:cNvGrpSpPr/>
-        <p:nvPr/>
-      </p:nvGrpSpPr>
-      <p:grpSpPr>
-        <a:xfrm>
-          <a:off x="0" y="0"/>
-          <a:ext cx="0" cy="0"/>
-          <a:chOff x="0" y="0"/>
-          <a:chExt cx="0" cy="0"/>
-        </a:xfrm>
-      </p:grpSpPr>
-      <p:sp>
-        <p:nvSpPr>
-          <p:cNvPr id="5" name="Título 4"/>
-          <p:cNvSpPr>
-            <a:spLocks noGrp="1"/>
-          </p:cNvSpPr>
-          <p:nvPr>
-            <p:ph type="title"/>
-          </p:nvPr>
-        </p:nvSpPr>
-        <p:spPr/>
-        <p:txBody>
-          <a:bodyPr/>
-          <a:lstStyle/>
-          <a:p>
-            <a:r>
-              <a:rPr lang="es-MX" dirty="0"/>
-              <a:t>Elementos Narrativos</a:t>
-            </a:r>
-          </a:p>
-        </p:txBody>
-      </p:sp>
-      <p:sp>
-        <p:nvSpPr>
-          <p:cNvPr id="6" name="Marcador de texto 5"/>
-          <p:cNvSpPr>
-            <a:spLocks noGrp="1"/>
-          </p:cNvSpPr>
-          <p:nvPr>
-            <p:ph type="body" idx="1"/>
-          </p:nvPr>
-        </p:nvSpPr>
-        <p:spPr/>
-        <p:txBody>
-          <a:bodyPr/>
-          <a:lstStyle/>
-          <a:p>
-            <a:r>
-              <a:rPr lang="es-MX" dirty="0"/>
-              <a:t>Quién es el mejor superhéroe:</a:t>
-            </a:r>
-          </a:p>
-          <a:p>
-            <a:pPr lvl="1"/>
-            <a:r>
-              <a:rPr lang="es-MX" dirty="0"/>
-              <a:t>Batman</a:t>
-            </a:r>
-          </a:p>
-          <a:p>
-            <a:pPr lvl="1"/>
-            <a:r>
-              <a:rPr lang="es-MX" dirty="0"/>
-              <a:t>Capitán América</a:t>
-            </a:r>
-          </a:p>
-          <a:p>
-            <a:pPr lvl="1"/>
-            <a:r>
-              <a:rPr lang="es-MX" dirty="0"/>
-              <a:t>Superman</a:t>
-            </a:r>
-          </a:p>
-          <a:p>
-            <a:pPr lvl="1"/>
-            <a:r>
-              <a:rPr lang="es-MX" dirty="0" err="1"/>
-              <a:t>Aquaman</a:t>
-            </a:r>
-            <a:endParaRPr lang="es-MX" dirty="0"/>
-          </a:p>
-        </p:txBody>
-      </p:sp>
-      <p:sp>
-        <p:nvSpPr>
-          <p:cNvPr id="4" name="Marcador de número de diapositiva 3"/>
-          <p:cNvSpPr>
-            <a:spLocks noGrp="1"/>
-          </p:cNvSpPr>
-          <p:nvPr>
-            <p:ph type="sldNum" idx="12"/>
-          </p:nvPr>
-        </p:nvSpPr>
-        <p:spPr/>
-        <p:txBody>
-          <a:bodyPr/>
-          <a:lstStyle/>
-          <a:p>
-            <a:pPr marL="0" lvl="0" indent="0">
-              <a:spcBef>
-                <a:spcPts val="0"/>
-              </a:spcBef>
-              <a:spcAft>
-                <a:spcPts val="0"/>
-              </a:spcAft>
-              <a:buNone/>
-            </a:pPr>
-            <a:fld id="{00000000-1234-1234-1234-123412341234}" type="slidenum">
-              <a:rPr lang="es-MX" smtClean="0"/>
-              <a:t>9</a:t>
-            </a:fld>
-            <a:endParaRPr lang="es-MX"/>
-          </a:p>
-        </p:txBody>
-      </p:sp>
-    </p:spTree>
-    <p:extLst>
-      <p:ext uri="{BB962C8B-B14F-4D97-AF65-F5344CB8AC3E}">
-        <p14:creationId xmlns:p14="http://schemas.microsoft.com/office/powerpoint/2010/main" val="1852925463"/>
       </p:ext>
     </p:extLst>
   </p:cSld>
